--- a/figure/FigurePreparation/metaOmics_tutorial_figures.pptx
+++ b/figure/FigurePreparation/metaOmics_tutorial_figures.pptx
@@ -5,7 +5,7 @@
     <p:sldMasterId id="2147483648" r:id="rId1"/>
   </p:sldMasterIdLst>
   <p:notesMasterIdLst>
-    <p:notesMasterId r:id="rId25"/>
+    <p:notesMasterId r:id="rId27"/>
   </p:notesMasterIdLst>
   <p:sldIdLst>
     <p:sldId id="256" r:id="rId2"/>
@@ -31,6 +31,8 @@
     <p:sldId id="275" r:id="rId22"/>
     <p:sldId id="277" r:id="rId23"/>
     <p:sldId id="276" r:id="rId24"/>
+    <p:sldId id="280" r:id="rId25"/>
+    <p:sldId id="279" r:id="rId26"/>
   </p:sldIdLst>
   <p:sldSz cx="9144000" cy="6858000" type="screen4x3"/>
   <p:notesSz cx="6858000" cy="9144000"/>
@@ -214,7 +216,7 @@
           <a:p>
             <a:fld id="{241DB8E5-A873-744C-8CC6-1EF170DC0665}" type="datetimeFigureOut">
               <a:rPr lang="en-US" smtClean="0"/>
-              <a:t>4/18/17</a:t>
+              <a:t>4/19/17</a:t>
             </a:fld>
             <a:endParaRPr lang="en-US"/>
           </a:p>
@@ -747,7 +749,7 @@
           <a:p>
             <a:fld id="{8F6C2658-6881-9745-B2CC-D3C93100C429}" type="datetimeFigureOut">
               <a:rPr lang="en-US" smtClean="0"/>
-              <a:t>4/18/17</a:t>
+              <a:t>4/19/17</a:t>
             </a:fld>
             <a:endParaRPr lang="en-US"/>
           </a:p>
@@ -917,7 +919,7 @@
           <a:p>
             <a:fld id="{8F6C2658-6881-9745-B2CC-D3C93100C429}" type="datetimeFigureOut">
               <a:rPr lang="en-US" smtClean="0"/>
-              <a:t>4/18/17</a:t>
+              <a:t>4/19/17</a:t>
             </a:fld>
             <a:endParaRPr lang="en-US"/>
           </a:p>
@@ -1097,7 +1099,7 @@
           <a:p>
             <a:fld id="{8F6C2658-6881-9745-B2CC-D3C93100C429}" type="datetimeFigureOut">
               <a:rPr lang="en-US" smtClean="0"/>
-              <a:t>4/18/17</a:t>
+              <a:t>4/19/17</a:t>
             </a:fld>
             <a:endParaRPr lang="en-US"/>
           </a:p>
@@ -1267,7 +1269,7 @@
           <a:p>
             <a:fld id="{8F6C2658-6881-9745-B2CC-D3C93100C429}" type="datetimeFigureOut">
               <a:rPr lang="en-US" smtClean="0"/>
-              <a:t>4/18/17</a:t>
+              <a:t>4/19/17</a:t>
             </a:fld>
             <a:endParaRPr lang="en-US"/>
           </a:p>
@@ -1513,7 +1515,7 @@
           <a:p>
             <a:fld id="{8F6C2658-6881-9745-B2CC-D3C93100C429}" type="datetimeFigureOut">
               <a:rPr lang="en-US" smtClean="0"/>
-              <a:t>4/18/17</a:t>
+              <a:t>4/19/17</a:t>
             </a:fld>
             <a:endParaRPr lang="en-US"/>
           </a:p>
@@ -1801,7 +1803,7 @@
           <a:p>
             <a:fld id="{8F6C2658-6881-9745-B2CC-D3C93100C429}" type="datetimeFigureOut">
               <a:rPr lang="en-US" smtClean="0"/>
-              <a:t>4/18/17</a:t>
+              <a:t>4/19/17</a:t>
             </a:fld>
             <a:endParaRPr lang="en-US"/>
           </a:p>
@@ -2223,7 +2225,7 @@
           <a:p>
             <a:fld id="{8F6C2658-6881-9745-B2CC-D3C93100C429}" type="datetimeFigureOut">
               <a:rPr lang="en-US" smtClean="0"/>
-              <a:t>4/18/17</a:t>
+              <a:t>4/19/17</a:t>
             </a:fld>
             <a:endParaRPr lang="en-US"/>
           </a:p>
@@ -2341,7 +2343,7 @@
           <a:p>
             <a:fld id="{8F6C2658-6881-9745-B2CC-D3C93100C429}" type="datetimeFigureOut">
               <a:rPr lang="en-US" smtClean="0"/>
-              <a:t>4/18/17</a:t>
+              <a:t>4/19/17</a:t>
             </a:fld>
             <a:endParaRPr lang="en-US"/>
           </a:p>
@@ -2436,7 +2438,7 @@
           <a:p>
             <a:fld id="{8F6C2658-6881-9745-B2CC-D3C93100C429}" type="datetimeFigureOut">
               <a:rPr lang="en-US" smtClean="0"/>
-              <a:t>4/18/17</a:t>
+              <a:t>4/19/17</a:t>
             </a:fld>
             <a:endParaRPr lang="en-US"/>
           </a:p>
@@ -2713,7 +2715,7 @@
           <a:p>
             <a:fld id="{8F6C2658-6881-9745-B2CC-D3C93100C429}" type="datetimeFigureOut">
               <a:rPr lang="en-US" smtClean="0"/>
-              <a:t>4/18/17</a:t>
+              <a:t>4/19/17</a:t>
             </a:fld>
             <a:endParaRPr lang="en-US"/>
           </a:p>
@@ -2966,7 +2968,7 @@
           <a:p>
             <a:fld id="{8F6C2658-6881-9745-B2CC-D3C93100C429}" type="datetimeFigureOut">
               <a:rPr lang="en-US" smtClean="0"/>
-              <a:t>4/18/17</a:t>
+              <a:t>4/19/17</a:t>
             </a:fld>
             <a:endParaRPr lang="en-US"/>
           </a:p>
@@ -3179,7 +3181,7 @@
           <a:p>
             <a:fld id="{8F6C2658-6881-9745-B2CC-D3C93100C429}" type="datetimeFigureOut">
               <a:rPr lang="en-US" smtClean="0"/>
-              <a:t>4/18/17</a:t>
+              <a:t>4/19/17</a:t>
             </a:fld>
             <a:endParaRPr lang="en-US"/>
           </a:p>
@@ -8324,6 +8326,733 @@
   <p:clrMapOvr>
     <a:masterClrMapping/>
   </p:clrMapOvr>
+</p:sld>
+</file>
+
+<file path=ppt/slides/slide24.xml><?xml version="1.0" encoding="utf-8"?>
+<p:sld xmlns:a="http://schemas.openxmlformats.org/drawingml/2006/main" xmlns:r="http://schemas.openxmlformats.org/officeDocument/2006/relationships" xmlns:p="http://schemas.openxmlformats.org/presentationml/2006/main">
+  <p:cSld>
+    <p:spTree>
+      <p:nvGrpSpPr>
+        <p:cNvPr id="1" name=""/>
+        <p:cNvGrpSpPr/>
+        <p:nvPr/>
+      </p:nvGrpSpPr>
+      <p:grpSpPr>
+        <a:xfrm>
+          <a:off x="0" y="0"/>
+          <a:ext cx="0" cy="0"/>
+          <a:chOff x="0" y="0"/>
+          <a:chExt cx="0" cy="0"/>
+        </a:xfrm>
+      </p:grpSpPr>
+      <p:sp>
+        <p:nvSpPr>
+          <p:cNvPr id="2" name="Title 1"/>
+          <p:cNvSpPr>
+            <a:spLocks noGrp="1"/>
+          </p:cNvSpPr>
+          <p:nvPr>
+            <p:ph type="title"/>
+          </p:nvPr>
+        </p:nvSpPr>
+        <p:spPr/>
+        <p:txBody>
+          <a:bodyPr/>
+          <a:lstStyle/>
+          <a:p>
+            <a:r>
+              <a:rPr lang="en-US" dirty="0" err="1" smtClean="0"/>
+              <a:t>metaKTSP</a:t>
+            </a:r>
+            <a:endParaRPr lang="en-US" dirty="0"/>
+          </a:p>
+        </p:txBody>
+      </p:sp>
+      <p:sp>
+        <p:nvSpPr>
+          <p:cNvPr id="3" name="Content Placeholder 2"/>
+          <p:cNvSpPr>
+            <a:spLocks noGrp="1"/>
+          </p:cNvSpPr>
+          <p:nvPr>
+            <p:ph idx="1"/>
+          </p:nvPr>
+        </p:nvSpPr>
+        <p:spPr/>
+        <p:txBody>
+          <a:bodyPr/>
+          <a:lstStyle/>
+          <a:p>
+            <a:endParaRPr lang="en-US"/>
+          </a:p>
+        </p:txBody>
+      </p:sp>
+    </p:spTree>
+    <p:extLst>
+      <p:ext uri="{BB962C8B-B14F-4D97-AF65-F5344CB8AC3E}">
+        <p14:creationId xmlns:p14="http://schemas.microsoft.com/office/powerpoint/2010/main" val="4165258021"/>
+      </p:ext>
+    </p:extLst>
+  </p:cSld>
+  <p:clrMapOvr>
+    <a:masterClrMapping/>
+  </p:clrMapOvr>
+  <p:timing>
+    <p:tnLst>
+      <p:par>
+        <p:cTn xmlns:p14="http://schemas.microsoft.com/office/powerpoint/2010/main" id="1" dur="indefinite" restart="never" nodeType="tmRoot"/>
+      </p:par>
+    </p:tnLst>
+  </p:timing>
+</p:sld>
+</file>
+
+<file path=ppt/slides/slide25.xml><?xml version="1.0" encoding="utf-8"?>
+<p:sld xmlns:a="http://schemas.openxmlformats.org/drawingml/2006/main" xmlns:r="http://schemas.openxmlformats.org/officeDocument/2006/relationships" xmlns:p="http://schemas.openxmlformats.org/presentationml/2006/main">
+  <p:cSld>
+    <p:spTree>
+      <p:nvGrpSpPr>
+        <p:cNvPr id="1" name=""/>
+        <p:cNvGrpSpPr/>
+        <p:nvPr/>
+      </p:nvGrpSpPr>
+      <p:grpSpPr>
+        <a:xfrm>
+          <a:off x="0" y="0"/>
+          <a:ext cx="0" cy="0"/>
+          <a:chOff x="0" y="0"/>
+          <a:chExt cx="0" cy="0"/>
+        </a:xfrm>
+      </p:grpSpPr>
+      <p:pic>
+        <p:nvPicPr>
+          <p:cNvPr id="2" name="Picture 1" descr="Figure4.pdf"/>
+          <p:cNvPicPr>
+            <a:picLocks noChangeAspect="1"/>
+          </p:cNvPicPr>
+          <p:nvPr/>
+        </p:nvPicPr>
+        <p:blipFill>
+          <a:blip r:embed="rId2">
+            <a:extLst>
+              <a:ext uri="{28A0092B-C50C-407E-A947-70E740481C1C}">
+                <a14:useLocalDpi xmlns:a14="http://schemas.microsoft.com/office/drawing/2010/main" val="0"/>
+              </a:ext>
+            </a:extLst>
+          </a:blip>
+          <a:stretch>
+            <a:fillRect/>
+          </a:stretch>
+        </p:blipFill>
+        <p:spPr>
+          <a:xfrm>
+            <a:off x="1081936" y="0"/>
+            <a:ext cx="6576164" cy="6858000"/>
+          </a:xfrm>
+          <a:prstGeom prst="rect">
+            <a:avLst/>
+          </a:prstGeom>
+        </p:spPr>
+      </p:pic>
+      <p:sp>
+        <p:nvSpPr>
+          <p:cNvPr id="3" name="Rounded Rectangle 2"/>
+          <p:cNvSpPr/>
+          <p:nvPr/>
+        </p:nvSpPr>
+        <p:spPr>
+          <a:xfrm>
+            <a:off x="1237309" y="1861954"/>
+            <a:ext cx="2269203" cy="471800"/>
+          </a:xfrm>
+          <a:prstGeom prst="roundRect">
+            <a:avLst/>
+          </a:prstGeom>
+          <a:noFill/>
+          <a:ln w="28575" cmpd="sng">
+            <a:solidFill>
+              <a:srgbClr val="FF0000"/>
+            </a:solidFill>
+          </a:ln>
+          <a:effectLst/>
+        </p:spPr>
+        <p:style>
+          <a:lnRef idx="1">
+            <a:schemeClr val="accent1"/>
+          </a:lnRef>
+          <a:fillRef idx="3">
+            <a:schemeClr val="accent1"/>
+          </a:fillRef>
+          <a:effectRef idx="2">
+            <a:schemeClr val="accent1"/>
+          </a:effectRef>
+          <a:fontRef idx="minor">
+            <a:schemeClr val="lt1"/>
+          </a:fontRef>
+        </p:style>
+        <p:txBody>
+          <a:bodyPr rtlCol="0" anchor="ctr"/>
+          <a:lstStyle/>
+          <a:p>
+            <a:pPr algn="ctr"/>
+            <a:endParaRPr lang="en-US"/>
+          </a:p>
+        </p:txBody>
+      </p:sp>
+      <p:sp>
+        <p:nvSpPr>
+          <p:cNvPr id="4" name="TextBox 3"/>
+          <p:cNvSpPr txBox="1"/>
+          <p:nvPr/>
+        </p:nvSpPr>
+        <p:spPr>
+          <a:xfrm>
+            <a:off x="882686" y="1626488"/>
+            <a:ext cx="635000" cy="369332"/>
+          </a:xfrm>
+          <a:prstGeom prst="rect">
+            <a:avLst/>
+          </a:prstGeom>
+          <a:noFill/>
+        </p:spPr>
+        <p:txBody>
+          <a:bodyPr wrap="square" rtlCol="0">
+            <a:spAutoFit/>
+          </a:bodyPr>
+          <a:lstStyle/>
+          <a:p>
+            <a:r>
+              <a:rPr lang="en-US" dirty="0" smtClean="0">
+                <a:solidFill>
+                  <a:srgbClr val="FF0000"/>
+                </a:solidFill>
+              </a:rPr>
+              <a:t>(1)</a:t>
+            </a:r>
+            <a:endParaRPr lang="en-US" dirty="0">
+              <a:solidFill>
+                <a:srgbClr val="FF0000"/>
+              </a:solidFill>
+            </a:endParaRPr>
+          </a:p>
+        </p:txBody>
+      </p:sp>
+      <p:sp>
+        <p:nvSpPr>
+          <p:cNvPr id="5" name="Rounded Rectangle 4"/>
+          <p:cNvSpPr/>
+          <p:nvPr/>
+        </p:nvSpPr>
+        <p:spPr>
+          <a:xfrm>
+            <a:off x="1237309" y="2466616"/>
+            <a:ext cx="2269203" cy="471800"/>
+          </a:xfrm>
+          <a:prstGeom prst="roundRect">
+            <a:avLst/>
+          </a:prstGeom>
+          <a:noFill/>
+          <a:ln w="28575" cmpd="sng">
+            <a:solidFill>
+              <a:srgbClr val="FF0000"/>
+            </a:solidFill>
+          </a:ln>
+          <a:effectLst/>
+        </p:spPr>
+        <p:style>
+          <a:lnRef idx="1">
+            <a:schemeClr val="accent1"/>
+          </a:lnRef>
+          <a:fillRef idx="3">
+            <a:schemeClr val="accent1"/>
+          </a:fillRef>
+          <a:effectRef idx="2">
+            <a:schemeClr val="accent1"/>
+          </a:effectRef>
+          <a:fontRef idx="minor">
+            <a:schemeClr val="lt1"/>
+          </a:fontRef>
+        </p:style>
+        <p:txBody>
+          <a:bodyPr rtlCol="0" anchor="ctr"/>
+          <a:lstStyle/>
+          <a:p>
+            <a:pPr algn="ctr"/>
+            <a:endParaRPr lang="en-US"/>
+          </a:p>
+        </p:txBody>
+      </p:sp>
+      <p:sp>
+        <p:nvSpPr>
+          <p:cNvPr id="6" name="TextBox 5"/>
+          <p:cNvSpPr txBox="1"/>
+          <p:nvPr/>
+        </p:nvSpPr>
+        <p:spPr>
+          <a:xfrm>
+            <a:off x="882686" y="2231150"/>
+            <a:ext cx="635000" cy="369332"/>
+          </a:xfrm>
+          <a:prstGeom prst="rect">
+            <a:avLst/>
+          </a:prstGeom>
+          <a:noFill/>
+        </p:spPr>
+        <p:txBody>
+          <a:bodyPr wrap="square" rtlCol="0">
+            <a:spAutoFit/>
+          </a:bodyPr>
+          <a:lstStyle/>
+          <a:p>
+            <a:r>
+              <a:rPr lang="en-US" dirty="0" smtClean="0">
+                <a:solidFill>
+                  <a:srgbClr val="FF0000"/>
+                </a:solidFill>
+              </a:rPr>
+              <a:t>(2)</a:t>
+            </a:r>
+            <a:endParaRPr lang="en-US" dirty="0">
+              <a:solidFill>
+                <a:srgbClr val="FF0000"/>
+              </a:solidFill>
+            </a:endParaRPr>
+          </a:p>
+        </p:txBody>
+      </p:sp>
+      <p:sp>
+        <p:nvSpPr>
+          <p:cNvPr id="7" name="Rounded Rectangle 6"/>
+          <p:cNvSpPr/>
+          <p:nvPr/>
+        </p:nvSpPr>
+        <p:spPr>
+          <a:xfrm>
+            <a:off x="1237309" y="2971740"/>
+            <a:ext cx="2269203" cy="471800"/>
+          </a:xfrm>
+          <a:prstGeom prst="roundRect">
+            <a:avLst/>
+          </a:prstGeom>
+          <a:noFill/>
+          <a:ln w="28575" cmpd="sng">
+            <a:solidFill>
+              <a:srgbClr val="FF0000"/>
+            </a:solidFill>
+          </a:ln>
+          <a:effectLst/>
+        </p:spPr>
+        <p:style>
+          <a:lnRef idx="1">
+            <a:schemeClr val="accent1"/>
+          </a:lnRef>
+          <a:fillRef idx="3">
+            <a:schemeClr val="accent1"/>
+          </a:fillRef>
+          <a:effectRef idx="2">
+            <a:schemeClr val="accent1"/>
+          </a:effectRef>
+          <a:fontRef idx="minor">
+            <a:schemeClr val="lt1"/>
+          </a:fontRef>
+        </p:style>
+        <p:txBody>
+          <a:bodyPr rtlCol="0" anchor="ctr"/>
+          <a:lstStyle/>
+          <a:p>
+            <a:pPr algn="ctr"/>
+            <a:endParaRPr lang="en-US"/>
+          </a:p>
+        </p:txBody>
+      </p:sp>
+      <p:sp>
+        <p:nvSpPr>
+          <p:cNvPr id="8" name="TextBox 7"/>
+          <p:cNvSpPr txBox="1"/>
+          <p:nvPr/>
+        </p:nvSpPr>
+        <p:spPr>
+          <a:xfrm>
+            <a:off x="882686" y="2736274"/>
+            <a:ext cx="635000" cy="369332"/>
+          </a:xfrm>
+          <a:prstGeom prst="rect">
+            <a:avLst/>
+          </a:prstGeom>
+          <a:noFill/>
+        </p:spPr>
+        <p:txBody>
+          <a:bodyPr wrap="square" rtlCol="0">
+            <a:spAutoFit/>
+          </a:bodyPr>
+          <a:lstStyle/>
+          <a:p>
+            <a:r>
+              <a:rPr lang="en-US" dirty="0" smtClean="0">
+                <a:solidFill>
+                  <a:srgbClr val="FF0000"/>
+                </a:solidFill>
+              </a:rPr>
+              <a:t>(3)</a:t>
+            </a:r>
+            <a:endParaRPr lang="en-US" dirty="0">
+              <a:solidFill>
+                <a:srgbClr val="FF0000"/>
+              </a:solidFill>
+            </a:endParaRPr>
+          </a:p>
+        </p:txBody>
+      </p:sp>
+      <p:sp>
+        <p:nvSpPr>
+          <p:cNvPr id="9" name="Rounded Rectangle 8"/>
+          <p:cNvSpPr/>
+          <p:nvPr/>
+        </p:nvSpPr>
+        <p:spPr>
+          <a:xfrm>
+            <a:off x="1237309" y="3538354"/>
+            <a:ext cx="2269203" cy="471800"/>
+          </a:xfrm>
+          <a:prstGeom prst="roundRect">
+            <a:avLst/>
+          </a:prstGeom>
+          <a:noFill/>
+          <a:ln w="28575" cmpd="sng">
+            <a:solidFill>
+              <a:srgbClr val="FF0000"/>
+            </a:solidFill>
+          </a:ln>
+          <a:effectLst/>
+        </p:spPr>
+        <p:style>
+          <a:lnRef idx="1">
+            <a:schemeClr val="accent1"/>
+          </a:lnRef>
+          <a:fillRef idx="3">
+            <a:schemeClr val="accent1"/>
+          </a:fillRef>
+          <a:effectRef idx="2">
+            <a:schemeClr val="accent1"/>
+          </a:effectRef>
+          <a:fontRef idx="minor">
+            <a:schemeClr val="lt1"/>
+          </a:fontRef>
+        </p:style>
+        <p:txBody>
+          <a:bodyPr rtlCol="0" anchor="ctr"/>
+          <a:lstStyle/>
+          <a:p>
+            <a:pPr algn="ctr"/>
+            <a:endParaRPr lang="en-US"/>
+          </a:p>
+        </p:txBody>
+      </p:sp>
+      <p:sp>
+        <p:nvSpPr>
+          <p:cNvPr id="10" name="TextBox 9"/>
+          <p:cNvSpPr txBox="1"/>
+          <p:nvPr/>
+        </p:nvSpPr>
+        <p:spPr>
+          <a:xfrm>
+            <a:off x="882686" y="3302888"/>
+            <a:ext cx="635000" cy="369332"/>
+          </a:xfrm>
+          <a:prstGeom prst="rect">
+            <a:avLst/>
+          </a:prstGeom>
+          <a:noFill/>
+        </p:spPr>
+        <p:txBody>
+          <a:bodyPr wrap="square" rtlCol="0">
+            <a:spAutoFit/>
+          </a:bodyPr>
+          <a:lstStyle/>
+          <a:p>
+            <a:r>
+              <a:rPr lang="en-US" dirty="0" smtClean="0">
+                <a:solidFill>
+                  <a:srgbClr val="FF0000"/>
+                </a:solidFill>
+              </a:rPr>
+              <a:t>(4)</a:t>
+            </a:r>
+            <a:endParaRPr lang="en-US" dirty="0">
+              <a:solidFill>
+                <a:srgbClr val="FF0000"/>
+              </a:solidFill>
+            </a:endParaRPr>
+          </a:p>
+        </p:txBody>
+      </p:sp>
+      <p:sp>
+        <p:nvSpPr>
+          <p:cNvPr id="11" name="Rounded Rectangle 10"/>
+          <p:cNvSpPr/>
+          <p:nvPr/>
+        </p:nvSpPr>
+        <p:spPr>
+          <a:xfrm>
+            <a:off x="1237309" y="4153816"/>
+            <a:ext cx="2269203" cy="471800"/>
+          </a:xfrm>
+          <a:prstGeom prst="roundRect">
+            <a:avLst/>
+          </a:prstGeom>
+          <a:noFill/>
+          <a:ln w="28575" cmpd="sng">
+            <a:solidFill>
+              <a:srgbClr val="FF0000"/>
+            </a:solidFill>
+          </a:ln>
+          <a:effectLst/>
+        </p:spPr>
+        <p:style>
+          <a:lnRef idx="1">
+            <a:schemeClr val="accent1"/>
+          </a:lnRef>
+          <a:fillRef idx="3">
+            <a:schemeClr val="accent1"/>
+          </a:fillRef>
+          <a:effectRef idx="2">
+            <a:schemeClr val="accent1"/>
+          </a:effectRef>
+          <a:fontRef idx="minor">
+            <a:schemeClr val="lt1"/>
+          </a:fontRef>
+        </p:style>
+        <p:txBody>
+          <a:bodyPr rtlCol="0" anchor="ctr"/>
+          <a:lstStyle/>
+          <a:p>
+            <a:pPr algn="ctr"/>
+            <a:endParaRPr lang="en-US"/>
+          </a:p>
+        </p:txBody>
+      </p:sp>
+      <p:sp>
+        <p:nvSpPr>
+          <p:cNvPr id="12" name="TextBox 11"/>
+          <p:cNvSpPr txBox="1"/>
+          <p:nvPr/>
+        </p:nvSpPr>
+        <p:spPr>
+          <a:xfrm>
+            <a:off x="882686" y="3918350"/>
+            <a:ext cx="635000" cy="369332"/>
+          </a:xfrm>
+          <a:prstGeom prst="rect">
+            <a:avLst/>
+          </a:prstGeom>
+          <a:noFill/>
+        </p:spPr>
+        <p:txBody>
+          <a:bodyPr wrap="square" rtlCol="0">
+            <a:spAutoFit/>
+          </a:bodyPr>
+          <a:lstStyle/>
+          <a:p>
+            <a:r>
+              <a:rPr lang="en-US" dirty="0" smtClean="0">
+                <a:solidFill>
+                  <a:srgbClr val="FF0000"/>
+                </a:solidFill>
+              </a:rPr>
+              <a:t>(5)</a:t>
+            </a:r>
+            <a:endParaRPr lang="en-US" dirty="0">
+              <a:solidFill>
+                <a:srgbClr val="FF0000"/>
+              </a:solidFill>
+            </a:endParaRPr>
+          </a:p>
+        </p:txBody>
+      </p:sp>
+      <p:sp>
+        <p:nvSpPr>
+          <p:cNvPr id="13" name="Rounded Rectangle 12"/>
+          <p:cNvSpPr/>
+          <p:nvPr/>
+        </p:nvSpPr>
+        <p:spPr>
+          <a:xfrm>
+            <a:off x="1237309" y="4700893"/>
+            <a:ext cx="2269203" cy="471800"/>
+          </a:xfrm>
+          <a:prstGeom prst="roundRect">
+            <a:avLst/>
+          </a:prstGeom>
+          <a:noFill/>
+          <a:ln w="28575" cmpd="sng">
+            <a:solidFill>
+              <a:srgbClr val="FF0000"/>
+            </a:solidFill>
+          </a:ln>
+          <a:effectLst/>
+        </p:spPr>
+        <p:style>
+          <a:lnRef idx="1">
+            <a:schemeClr val="accent1"/>
+          </a:lnRef>
+          <a:fillRef idx="3">
+            <a:schemeClr val="accent1"/>
+          </a:fillRef>
+          <a:effectRef idx="2">
+            <a:schemeClr val="accent1"/>
+          </a:effectRef>
+          <a:fontRef idx="minor">
+            <a:schemeClr val="lt1"/>
+          </a:fontRef>
+        </p:style>
+        <p:txBody>
+          <a:bodyPr rtlCol="0" anchor="ctr"/>
+          <a:lstStyle/>
+          <a:p>
+            <a:pPr algn="ctr"/>
+            <a:endParaRPr lang="en-US"/>
+          </a:p>
+        </p:txBody>
+      </p:sp>
+      <p:sp>
+        <p:nvSpPr>
+          <p:cNvPr id="14" name="TextBox 13"/>
+          <p:cNvSpPr txBox="1"/>
+          <p:nvPr/>
+        </p:nvSpPr>
+        <p:spPr>
+          <a:xfrm>
+            <a:off x="882686" y="4465427"/>
+            <a:ext cx="635000" cy="369332"/>
+          </a:xfrm>
+          <a:prstGeom prst="rect">
+            <a:avLst/>
+          </a:prstGeom>
+          <a:noFill/>
+        </p:spPr>
+        <p:txBody>
+          <a:bodyPr wrap="square" rtlCol="0">
+            <a:spAutoFit/>
+          </a:bodyPr>
+          <a:lstStyle/>
+          <a:p>
+            <a:r>
+              <a:rPr lang="en-US" dirty="0" smtClean="0">
+                <a:solidFill>
+                  <a:srgbClr val="FF0000"/>
+                </a:solidFill>
+              </a:rPr>
+              <a:t>(6)</a:t>
+            </a:r>
+            <a:endParaRPr lang="en-US" dirty="0">
+              <a:solidFill>
+                <a:srgbClr val="FF0000"/>
+              </a:solidFill>
+            </a:endParaRPr>
+          </a:p>
+        </p:txBody>
+      </p:sp>
+      <p:sp>
+        <p:nvSpPr>
+          <p:cNvPr id="15" name="Rounded Rectangle 14"/>
+          <p:cNvSpPr/>
+          <p:nvPr/>
+        </p:nvSpPr>
+        <p:spPr>
+          <a:xfrm>
+            <a:off x="1237309" y="5814583"/>
+            <a:ext cx="2269203" cy="471800"/>
+          </a:xfrm>
+          <a:prstGeom prst="roundRect">
+            <a:avLst/>
+          </a:prstGeom>
+          <a:noFill/>
+          <a:ln w="28575" cmpd="sng">
+            <a:solidFill>
+              <a:srgbClr val="FF0000"/>
+            </a:solidFill>
+          </a:ln>
+          <a:effectLst/>
+        </p:spPr>
+        <p:style>
+          <a:lnRef idx="1">
+            <a:schemeClr val="accent1"/>
+          </a:lnRef>
+          <a:fillRef idx="3">
+            <a:schemeClr val="accent1"/>
+          </a:fillRef>
+          <a:effectRef idx="2">
+            <a:schemeClr val="accent1"/>
+          </a:effectRef>
+          <a:fontRef idx="minor">
+            <a:schemeClr val="lt1"/>
+          </a:fontRef>
+        </p:style>
+        <p:txBody>
+          <a:bodyPr rtlCol="0" anchor="ctr"/>
+          <a:lstStyle/>
+          <a:p>
+            <a:pPr algn="ctr"/>
+            <a:endParaRPr lang="en-US"/>
+          </a:p>
+        </p:txBody>
+      </p:sp>
+      <p:sp>
+        <p:nvSpPr>
+          <p:cNvPr id="16" name="TextBox 15"/>
+          <p:cNvSpPr txBox="1"/>
+          <p:nvPr/>
+        </p:nvSpPr>
+        <p:spPr>
+          <a:xfrm>
+            <a:off x="882686" y="5579117"/>
+            <a:ext cx="635000" cy="369332"/>
+          </a:xfrm>
+          <a:prstGeom prst="rect">
+            <a:avLst/>
+          </a:prstGeom>
+          <a:noFill/>
+        </p:spPr>
+        <p:txBody>
+          <a:bodyPr wrap="square" rtlCol="0">
+            <a:spAutoFit/>
+          </a:bodyPr>
+          <a:lstStyle/>
+          <a:p>
+            <a:r>
+              <a:rPr lang="en-US" smtClean="0">
+                <a:solidFill>
+                  <a:srgbClr val="FF0000"/>
+                </a:solidFill>
+              </a:rPr>
+              <a:t>(7)</a:t>
+            </a:r>
+            <a:endParaRPr lang="en-US" dirty="0">
+              <a:solidFill>
+                <a:srgbClr val="FF0000"/>
+              </a:solidFill>
+            </a:endParaRPr>
+          </a:p>
+        </p:txBody>
+      </p:sp>
+    </p:spTree>
+    <p:extLst>
+      <p:ext uri="{BB962C8B-B14F-4D97-AF65-F5344CB8AC3E}">
+        <p14:creationId xmlns:p14="http://schemas.microsoft.com/office/powerpoint/2010/main" val="1831711722"/>
+      </p:ext>
+    </p:extLst>
+  </p:cSld>
+  <p:clrMapOvr>
+    <a:masterClrMapping/>
+  </p:clrMapOvr>
+  <p:timing>
+    <p:tnLst>
+      <p:par>
+        <p:cTn xmlns:p14="http://schemas.microsoft.com/office/powerpoint/2010/main" id="1" dur="indefinite" restart="never" nodeType="tmRoot"/>
+      </p:par>
+    </p:tnLst>
+  </p:timing>
 </p:sld>
 </file>
 
